--- a/Slides/04_DataAccessLayerPerf.pptx
+++ b/Slides/04_DataAccessLayerPerf.pptx
@@ -203,7 +203,7 @@
           <a:p>
             <a:fld id="{3324CFE8-E6C5-49C4-A98E-8439CAAD63D0}" type="datetimeFigureOut">
               <a:rPr lang="en-US" smtClean="0"/>
-              <a:t>2/27/2018</a:t>
+              <a:t>2/28/2018</a:t>
             </a:fld>
             <a:endParaRPr lang="en-US"/>
           </a:p>
@@ -3901,7 +3901,7 @@
           <a:p>
             <a:fld id="{A186C422-ECB4-4C69-9D54-F0AFA5DD4A3A}" type="datetimeFigureOut">
               <a:rPr lang="en-US" smtClean="0"/>
-              <a:t>2/27/2018</a:t>
+              <a:t>2/28/2018</a:t>
             </a:fld>
             <a:endParaRPr lang="en-US"/>
           </a:p>
@@ -4014,7 +4014,7 @@
           <a:p>
             <a:fld id="{A186C422-ECB4-4C69-9D54-F0AFA5DD4A3A}" type="datetimeFigureOut">
               <a:rPr lang="en-US" smtClean="0"/>
-              <a:t>2/27/2018</a:t>
+              <a:t>2/28/2018</a:t>
             </a:fld>
             <a:endParaRPr lang="en-US"/>
           </a:p>
@@ -4327,7 +4327,7 @@
           <a:p>
             <a:fld id="{A186C422-ECB4-4C69-9D54-F0AFA5DD4A3A}" type="datetimeFigureOut">
               <a:rPr lang="en-US" smtClean="0"/>
-              <a:t>2/27/2018</a:t>
+              <a:t>2/28/2018</a:t>
             </a:fld>
             <a:endParaRPr lang="en-US"/>
           </a:p>
@@ -4620,7 +4620,7 @@
           <a:p>
             <a:fld id="{A186C422-ECB4-4C69-9D54-F0AFA5DD4A3A}" type="datetimeFigureOut">
               <a:rPr lang="en-US" smtClean="0"/>
-              <a:t>2/27/2018</a:t>
+              <a:t>2/28/2018</a:t>
             </a:fld>
             <a:endParaRPr lang="en-US"/>
           </a:p>
@@ -4820,7 +4820,7 @@
           <a:p>
             <a:fld id="{A186C422-ECB4-4C69-9D54-F0AFA5DD4A3A}" type="datetimeFigureOut">
               <a:rPr lang="en-US" smtClean="0"/>
-              <a:t>2/27/2018</a:t>
+              <a:t>2/28/2018</a:t>
             </a:fld>
             <a:endParaRPr lang="en-US"/>
           </a:p>
@@ -5030,7 +5030,7 @@
           <a:p>
             <a:fld id="{A186C422-ECB4-4C69-9D54-F0AFA5DD4A3A}" type="datetimeFigureOut">
               <a:rPr lang="en-US" smtClean="0"/>
-              <a:t>2/27/2018</a:t>
+              <a:t>2/28/2018</a:t>
             </a:fld>
             <a:endParaRPr lang="en-US"/>
           </a:p>
@@ -8847,7 +8847,7 @@
           <a:p>
             <a:fld id="{A186C422-ECB4-4C69-9D54-F0AFA5DD4A3A}" type="datetimeFigureOut">
               <a:rPr lang="en-US" smtClean="0"/>
-              <a:t>2/27/2018</a:t>
+              <a:t>2/28/2018</a:t>
             </a:fld>
             <a:endParaRPr lang="en-US"/>
           </a:p>
@@ -9090,7 +9090,7 @@
           <a:p>
             <a:fld id="{A186C422-ECB4-4C69-9D54-F0AFA5DD4A3A}" type="datetimeFigureOut">
               <a:rPr lang="en-US" smtClean="0"/>
-              <a:t>2/27/2018</a:t>
+              <a:t>2/28/2018</a:t>
             </a:fld>
             <a:endParaRPr lang="en-US"/>
           </a:p>
@@ -10113,8 +10113,13 @@
             <a:pPr lvl="1"/>
             <a:r>
               <a:rPr lang="en-US" dirty="0"/>
-              <a:t>Mostly we did this in the previous videos</a:t>
-            </a:r>
+              <a:t>Mostly we did this in the </a:t>
+            </a:r>
+            <a:r>
+              <a:rPr lang="en-US"/>
+              <a:t>previous parts</a:t>
+            </a:r>
+            <a:endParaRPr lang="en-US" dirty="0"/>
           </a:p>
           <a:p>
             <a:pPr lvl="1"/>
